--- a/documentacionSistemas/amibRegistro/analsisDiseno/PropuestaPantallasRegistro.pptx
+++ b/documentacionSistemas/amibRegistro/analsisDiseno/PropuestaPantallasRegistro.pptx
@@ -5,7 +5,7 @@
     <p:sldMasterId id="2147483648" r:id="rId1"/>
   </p:sldMasterIdLst>
   <p:notesMasterIdLst>
-    <p:notesMasterId r:id="rId8"/>
+    <p:notesMasterId r:id="rId9"/>
   </p:notesMasterIdLst>
   <p:sldIdLst>
     <p:sldId id="256" r:id="rId2"/>
@@ -14,6 +14,7 @@
     <p:sldId id="261" r:id="rId5"/>
     <p:sldId id="262" r:id="rId6"/>
     <p:sldId id="258" r:id="rId7"/>
+    <p:sldId id="263" r:id="rId8"/>
   </p:sldIdLst>
   <p:sldSz cx="6858000" cy="9144000" type="screen4x3"/>
   <p:notesSz cx="6858000" cy="9144000"/>
@@ -197,7 +198,8 @@
           <a:p>
             <a:fld id="{3A0F0A35-96D2-49DF-BDFE-C3D2D8CFA425}" type="datetimeFigureOut">
               <a:rPr lang="es-MX" smtClean="0"/>
-              <a:t>31/07/2014</a:t>
+              <a:pPr/>
+              <a:t>06/08/2014</a:t>
             </a:fld>
             <a:endParaRPr lang="es-MX"/>
           </a:p>
@@ -358,6 +360,7 @@
           <a:p>
             <a:fld id="{5D507B14-570A-412D-96EB-5C1E72F27050}" type="slidenum">
               <a:rPr lang="es-MX" smtClean="0"/>
+              <a:pPr/>
               <a:t>‹Nº›</a:t>
             </a:fld>
             <a:endParaRPr lang="es-MX"/>
@@ -529,6 +532,7 @@
           <a:p>
             <a:fld id="{5D507B14-570A-412D-96EB-5C1E72F27050}" type="slidenum">
               <a:rPr lang="es-MX" smtClean="0"/>
+              <a:pPr/>
               <a:t>1</a:t>
             </a:fld>
             <a:endParaRPr lang="es-MX"/>
@@ -725,7 +729,7 @@
             <a:fld id="{EF70AD45-40D9-4CC5-824C-78F80B98BE23}" type="datetimeFigureOut">
               <a:rPr lang="es-MX" smtClean="0"/>
               <a:pPr/>
-              <a:t>30/07/2014</a:t>
+              <a:t>06/08/2014</a:t>
             </a:fld>
             <a:endParaRPr lang="es-MX"/>
           </a:p>
@@ -892,7 +896,7 @@
             <a:fld id="{EF70AD45-40D9-4CC5-824C-78F80B98BE23}" type="datetimeFigureOut">
               <a:rPr lang="es-MX" smtClean="0"/>
               <a:pPr/>
-              <a:t>30/07/2014</a:t>
+              <a:t>06/08/2014</a:t>
             </a:fld>
             <a:endParaRPr lang="es-MX"/>
           </a:p>
@@ -1069,7 +1073,7 @@
             <a:fld id="{EF70AD45-40D9-4CC5-824C-78F80B98BE23}" type="datetimeFigureOut">
               <a:rPr lang="es-MX" smtClean="0"/>
               <a:pPr/>
-              <a:t>30/07/2014</a:t>
+              <a:t>06/08/2014</a:t>
             </a:fld>
             <a:endParaRPr lang="es-MX"/>
           </a:p>
@@ -1236,7 +1240,7 @@
             <a:fld id="{EF70AD45-40D9-4CC5-824C-78F80B98BE23}" type="datetimeFigureOut">
               <a:rPr lang="es-MX" smtClean="0"/>
               <a:pPr/>
-              <a:t>30/07/2014</a:t>
+              <a:t>06/08/2014</a:t>
             </a:fld>
             <a:endParaRPr lang="es-MX"/>
           </a:p>
@@ -1479,7 +1483,7 @@
             <a:fld id="{EF70AD45-40D9-4CC5-824C-78F80B98BE23}" type="datetimeFigureOut">
               <a:rPr lang="es-MX" smtClean="0"/>
               <a:pPr/>
-              <a:t>30/07/2014</a:t>
+              <a:t>06/08/2014</a:t>
             </a:fld>
             <a:endParaRPr lang="es-MX"/>
           </a:p>
@@ -1764,7 +1768,7 @@
             <a:fld id="{EF70AD45-40D9-4CC5-824C-78F80B98BE23}" type="datetimeFigureOut">
               <a:rPr lang="es-MX" smtClean="0"/>
               <a:pPr/>
-              <a:t>30/07/2014</a:t>
+              <a:t>06/08/2014</a:t>
             </a:fld>
             <a:endParaRPr lang="es-MX"/>
           </a:p>
@@ -2183,7 +2187,7 @@
             <a:fld id="{EF70AD45-40D9-4CC5-824C-78F80B98BE23}" type="datetimeFigureOut">
               <a:rPr lang="es-MX" smtClean="0"/>
               <a:pPr/>
-              <a:t>30/07/2014</a:t>
+              <a:t>06/08/2014</a:t>
             </a:fld>
             <a:endParaRPr lang="es-MX"/>
           </a:p>
@@ -2298,7 +2302,7 @@
             <a:fld id="{EF70AD45-40D9-4CC5-824C-78F80B98BE23}" type="datetimeFigureOut">
               <a:rPr lang="es-MX" smtClean="0"/>
               <a:pPr/>
-              <a:t>30/07/2014</a:t>
+              <a:t>06/08/2014</a:t>
             </a:fld>
             <a:endParaRPr lang="es-MX"/>
           </a:p>
@@ -2390,7 +2394,7 @@
             <a:fld id="{EF70AD45-40D9-4CC5-824C-78F80B98BE23}" type="datetimeFigureOut">
               <a:rPr lang="es-MX" smtClean="0"/>
               <a:pPr/>
-              <a:t>30/07/2014</a:t>
+              <a:t>06/08/2014</a:t>
             </a:fld>
             <a:endParaRPr lang="es-MX"/>
           </a:p>
@@ -2664,7 +2668,7 @@
             <a:fld id="{EF70AD45-40D9-4CC5-824C-78F80B98BE23}" type="datetimeFigureOut">
               <a:rPr lang="es-MX" smtClean="0"/>
               <a:pPr/>
-              <a:t>30/07/2014</a:t>
+              <a:t>06/08/2014</a:t>
             </a:fld>
             <a:endParaRPr lang="es-MX"/>
           </a:p>
@@ -2914,7 +2918,7 @@
             <a:fld id="{EF70AD45-40D9-4CC5-824C-78F80B98BE23}" type="datetimeFigureOut">
               <a:rPr lang="es-MX" smtClean="0"/>
               <a:pPr/>
-              <a:t>30/07/2014</a:t>
+              <a:t>06/08/2014</a:t>
             </a:fld>
             <a:endParaRPr lang="es-MX"/>
           </a:p>
@@ -3124,7 +3128,7 @@
             <a:fld id="{EF70AD45-40D9-4CC5-824C-78F80B98BE23}" type="datetimeFigureOut">
               <a:rPr lang="es-MX" smtClean="0"/>
               <a:pPr/>
-              <a:t>30/07/2014</a:t>
+              <a:t>06/08/2014</a:t>
             </a:fld>
             <a:endParaRPr lang="es-MX"/>
           </a:p>
@@ -3563,15 +3567,7 @@
           <a:p>
             <a:r>
               <a:rPr lang="es-MX" b="1" dirty="0" smtClean="0"/>
-              <a:t>AMIB – </a:t>
-            </a:r>
-            <a:r>
-              <a:rPr lang="es-MX" b="1" dirty="0" smtClean="0"/>
-              <a:t>REGISTRO – </a:t>
-            </a:r>
-            <a:r>
-              <a:rPr lang="es-MX" b="1" dirty="0" smtClean="0"/>
-              <a:t>INSTITUCIONES Y/O GRUPOS FINANCIEROS</a:t>
+              <a:t>AMIB – REGISTRO – INSTITUCIONES Y/O GRUPOS FINANCIEROS</a:t>
             </a:r>
             <a:endParaRPr lang="es-MX" b="1" dirty="0"/>
           </a:p>
@@ -3750,15 +3746,7 @@
                   <a:schemeClr val="bg1"/>
                 </a:solidFill>
               </a:rPr>
-              <a:t>Revocación y/o baja de </a:t>
-            </a:r>
-            <a:r>
-              <a:rPr lang="es-MX" sz="1600" dirty="0" smtClean="0">
-                <a:solidFill>
-                  <a:schemeClr val="bg1"/>
-                </a:solidFill>
-              </a:rPr>
-              <a:t>institución</a:t>
+              <a:t>Revocación y/o baja de institución</a:t>
             </a:r>
           </a:p>
           <a:p>
@@ -3774,11 +3762,6 @@
               </a:rPr>
               <a:t>Detalles de servicios</a:t>
             </a:r>
-            <a:endParaRPr lang="es-MX" sz="1600" dirty="0" smtClean="0">
-              <a:solidFill>
-                <a:schemeClr val="bg1"/>
-              </a:solidFill>
-            </a:endParaRPr>
           </a:p>
         </p:txBody>
       </p:sp>
@@ -3925,15 +3908,7 @@
                   <a:schemeClr val="bg1"/>
                 </a:solidFill>
               </a:rPr>
-              <a:t>Catálogo </a:t>
-            </a:r>
-            <a:r>
-              <a:rPr lang="es-MX" sz="1600" dirty="0" smtClean="0">
-                <a:solidFill>
-                  <a:schemeClr val="bg1"/>
-                </a:solidFill>
-              </a:rPr>
-              <a:t>de notarios</a:t>
+              <a:t>Catálogo de notarios</a:t>
             </a:r>
             <a:endParaRPr lang="es-MX" sz="1600" dirty="0">
               <a:solidFill>
@@ -4062,23 +4037,7 @@
                   <a:schemeClr val="bg1"/>
                 </a:solidFill>
               </a:rPr>
-              <a:t>Información </a:t>
-            </a:r>
-            <a:r>
-              <a:rPr lang="es-MX" sz="1600" dirty="0" smtClean="0">
-                <a:solidFill>
-                  <a:schemeClr val="bg1"/>
-                </a:solidFill>
-              </a:rPr>
-              <a:t>de </a:t>
-            </a:r>
-            <a:r>
-              <a:rPr lang="es-MX" sz="1600" dirty="0" smtClean="0">
-                <a:solidFill>
-                  <a:schemeClr val="bg1"/>
-                </a:solidFill>
-              </a:rPr>
-              <a:t>usuario</a:t>
+              <a:t>Información de usuario</a:t>
             </a:r>
           </a:p>
           <a:p>
@@ -4248,15 +4207,7 @@
           <a:p>
             <a:r>
               <a:rPr lang="es-MX" b="1" dirty="0" smtClean="0"/>
-              <a:t>AMIB – </a:t>
-            </a:r>
-            <a:r>
-              <a:rPr lang="es-MX" b="1" dirty="0" smtClean="0"/>
-              <a:t>REGISTRO – </a:t>
-            </a:r>
-            <a:r>
-              <a:rPr lang="es-MX" b="1" dirty="0" smtClean="0"/>
-              <a:t>INSTITUCIONES Y/O GRUPOS FINANCIEROS</a:t>
+              <a:t>AMIB – REGISTRO – INSTITUCIONES Y/O GRUPOS FINANCIEROS</a:t>
             </a:r>
           </a:p>
           <a:p>
@@ -4264,7 +4215,6 @@
               <a:rPr lang="es-MX" b="1" i="1" dirty="0" smtClean="0"/>
               <a:t>SERVICIOS</a:t>
             </a:r>
-            <a:endParaRPr lang="es-MX" b="1" i="1" dirty="0" smtClean="0"/>
           </a:p>
         </p:txBody>
       </p:sp>
@@ -4484,11 +4434,7 @@
             </a:pPr>
             <a:r>
               <a:rPr lang="es-MX" dirty="0" smtClean="0"/>
-              <a:t>Matrícula de </a:t>
-            </a:r>
-            <a:r>
-              <a:rPr lang="es-MX" dirty="0" smtClean="0"/>
-              <a:t>apoderado </a:t>
+              <a:t>Matrícula de apoderado </a:t>
             </a:r>
             <a:r>
               <a:rPr lang="es-MX" i="1" dirty="0" smtClean="0"/>
@@ -4502,15 +4448,7 @@
             </a:pPr>
             <a:r>
               <a:rPr lang="es-MX" i="1" dirty="0" smtClean="0"/>
-              <a:t>Nombre de </a:t>
-            </a:r>
-            <a:r>
-              <a:rPr lang="es-MX" i="1" dirty="0" smtClean="0"/>
-              <a:t>completo de </a:t>
-            </a:r>
-            <a:r>
-              <a:rPr lang="es-MX" i="1" dirty="0" smtClean="0"/>
-              <a:t>apoderado (Ya proporcionado como resultado de matricula)</a:t>
+              <a:t>Nombre de completo de apoderado (Ya proporcionado como resultado de matricula)</a:t>
             </a:r>
           </a:p>
           <a:p>
@@ -4627,15 +4565,7 @@
           <a:p>
             <a:r>
               <a:rPr lang="es-MX" b="1" dirty="0" smtClean="0"/>
-              <a:t>AMIB – </a:t>
-            </a:r>
-            <a:r>
-              <a:rPr lang="es-MX" b="1" dirty="0" smtClean="0"/>
-              <a:t>REGISTRO – </a:t>
-            </a:r>
-            <a:r>
-              <a:rPr lang="es-MX" b="1" dirty="0" smtClean="0"/>
-              <a:t>INSTITUCIONES Y/O GRUPOS FINANCIEROS</a:t>
+              <a:t>AMIB – REGISTRO – INSTITUCIONES Y/O GRUPOS FINANCIEROS</a:t>
             </a:r>
           </a:p>
           <a:p>
@@ -4643,7 +4573,6 @@
               <a:rPr lang="es-MX" b="1" i="1" dirty="0" smtClean="0"/>
               <a:t>SERVICIOS</a:t>
             </a:r>
-            <a:endParaRPr lang="es-MX" b="1" i="1" dirty="0" smtClean="0"/>
           </a:p>
         </p:txBody>
       </p:sp>
@@ -4701,13 +4630,8 @@
           <a:p>
             <a:r>
               <a:rPr lang="es-MX" b="1" dirty="0" smtClean="0"/>
-              <a:t>Datos del </a:t>
-            </a:r>
-            <a:r>
-              <a:rPr lang="es-MX" b="1" dirty="0" smtClean="0"/>
-              <a:t>Revocación</a:t>
-            </a:r>
-            <a:endParaRPr lang="es-MX" b="1" dirty="0" smtClean="0"/>
+              <a:t>Datos del Revocación</a:t>
+            </a:r>
           </a:p>
           <a:p>
             <a:pPr>
@@ -4758,19 +4682,11 @@
             </a:pPr>
             <a:r>
               <a:rPr lang="es-MX" dirty="0" smtClean="0"/>
-              <a:t>Fecha </a:t>
-            </a:r>
-            <a:r>
-              <a:rPr lang="es-MX" dirty="0" smtClean="0"/>
-              <a:t>de la revocación </a:t>
+              <a:t>Fecha de la revocación </a:t>
             </a:r>
             <a:r>
               <a:rPr lang="es-MX" i="1" dirty="0" smtClean="0"/>
-              <a:t>(A </a:t>
-            </a:r>
-            <a:r>
-              <a:rPr lang="es-MX" i="1" dirty="0" smtClean="0"/>
-              <a:t>proporcionar)</a:t>
+              <a:t>(A proporcionar)</a:t>
             </a:r>
           </a:p>
           <a:p>
@@ -4830,13 +4746,8 @@
           <a:p>
             <a:r>
               <a:rPr lang="es-MX" b="1" dirty="0" smtClean="0"/>
-              <a:t>Datos de </a:t>
-            </a:r>
-            <a:r>
-              <a:rPr lang="es-MX" b="1" dirty="0" smtClean="0"/>
-              <a:t>Apoderados a Revocar</a:t>
-            </a:r>
-            <a:endParaRPr lang="es-MX" b="1" dirty="0" smtClean="0"/>
+              <a:t>Datos de Apoderados a Revocar</a:t>
+            </a:r>
           </a:p>
           <a:p>
             <a:r>
@@ -4865,11 +4776,7 @@
             </a:pPr>
             <a:r>
               <a:rPr lang="es-MX" i="1" dirty="0" smtClean="0"/>
-              <a:t>Nombre de completo de apoderado (Ya proporcionado como resultado de matricula</a:t>
-            </a:r>
-            <a:r>
-              <a:rPr lang="es-MX" i="1" dirty="0" smtClean="0"/>
-              <a:t>)</a:t>
+              <a:t>Nombre de completo de apoderado (Ya proporcionado como resultado de matricula)</a:t>
             </a:r>
           </a:p>
           <a:p>
@@ -4891,7 +4798,6 @@
               <a:rPr lang="es-MX" i="1" dirty="0" smtClean="0"/>
               <a:t>Motivo de Revocación</a:t>
             </a:r>
-            <a:endParaRPr lang="es-MX" i="1" dirty="0" smtClean="0"/>
           </a:p>
           <a:p>
             <a:pPr lvl="1">
@@ -5000,15 +4906,7 @@
           <a:p>
             <a:r>
               <a:rPr lang="es-MX" b="1" dirty="0" smtClean="0"/>
-              <a:t>AMIB – </a:t>
-            </a:r>
-            <a:r>
-              <a:rPr lang="es-MX" b="1" dirty="0" smtClean="0"/>
-              <a:t>REGISTRO – </a:t>
-            </a:r>
-            <a:r>
-              <a:rPr lang="es-MX" b="1" dirty="0" smtClean="0"/>
-              <a:t>INSTITUCIONES Y/O GRUPOS FINANCIEROS</a:t>
+              <a:t>AMIB – REGISTRO – INSTITUCIONES Y/O GRUPOS FINANCIEROS</a:t>
             </a:r>
           </a:p>
           <a:p>
@@ -5699,15 +5597,7 @@
           <a:p>
             <a:r>
               <a:rPr lang="es-MX" b="1" dirty="0" smtClean="0"/>
-              <a:t>AMIB – </a:t>
-            </a:r>
-            <a:r>
-              <a:rPr lang="es-MX" b="1" dirty="0" smtClean="0"/>
-              <a:t>REGISTRO – </a:t>
-            </a:r>
-            <a:r>
-              <a:rPr lang="es-MX" b="1" dirty="0" smtClean="0"/>
-              <a:t>INSTITUCIONES Y/O GRUPOS FINANCIEROS</a:t>
+              <a:t>AMIB – REGISTRO – INSTITUCIONES Y/O GRUPOS FINANCIEROS</a:t>
             </a:r>
           </a:p>
           <a:p>
@@ -5841,19 +5731,7 @@
           <a:p>
             <a:r>
               <a:rPr lang="es-MX" b="1" dirty="0" smtClean="0"/>
-              <a:t>AMIB – </a:t>
-            </a:r>
-            <a:r>
-              <a:rPr lang="es-MX" b="1" dirty="0" smtClean="0"/>
-              <a:t>REGISTRO – </a:t>
-            </a:r>
-            <a:r>
-              <a:rPr lang="es-MX" b="1" dirty="0" smtClean="0"/>
-              <a:t>CNBV (ALTA DE </a:t>
-            </a:r>
-            <a:r>
-              <a:rPr lang="es-MX" b="1" dirty="0" smtClean="0"/>
-              <a:t>DGAS)</a:t>
+              <a:t>AMIB – REGISTRO – CNBV (ALTA DE DGAS)</a:t>
             </a:r>
             <a:endParaRPr lang="es-MX" b="1" dirty="0"/>
           </a:p>
@@ -6359,6 +6237,383 @@
             <a:r>
               <a:rPr lang="es-MX" dirty="0" smtClean="0"/>
               <a:t>CONTENIDO</a:t>
+            </a:r>
+            <a:endParaRPr lang="es-MX" dirty="0"/>
+          </a:p>
+        </p:txBody>
+      </p:sp>
+    </p:spTree>
+  </p:cSld>
+  <p:clrMapOvr>
+    <a:masterClrMapping/>
+  </p:clrMapOvr>
+</p:sld>
+</file>
+
+<file path=ppt/slides/slide7.xml><?xml version="1.0" encoding="utf-8"?>
+<p:sld xmlns:a="http://schemas.openxmlformats.org/drawingml/2006/main" xmlns:r="http://schemas.openxmlformats.org/officeDocument/2006/relationships" xmlns:p="http://schemas.openxmlformats.org/presentationml/2006/main">
+  <p:cSld>
+    <p:spTree>
+      <p:nvGrpSpPr>
+        <p:cNvPr id="1" name=""/>
+        <p:cNvGrpSpPr/>
+        <p:nvPr/>
+      </p:nvGrpSpPr>
+      <p:grpSpPr>
+        <a:xfrm>
+          <a:off x="0" y="0"/>
+          <a:ext cx="0" cy="0"/>
+          <a:chOff x="0" y="0"/>
+          <a:chExt cx="0" cy="0"/>
+        </a:xfrm>
+      </p:grpSpPr>
+      <p:sp>
+        <p:nvSpPr>
+          <p:cNvPr id="2" name="1 CuadroTexto"/>
+          <p:cNvSpPr txBox="1"/>
+          <p:nvPr/>
+        </p:nvSpPr>
+        <p:spPr>
+          <a:xfrm>
+            <a:off x="260648" y="323528"/>
+            <a:ext cx="7388369" cy="2862322"/>
+          </a:xfrm>
+          <a:prstGeom prst="rect">
+            <a:avLst/>
+          </a:prstGeom>
+          <a:noFill/>
+        </p:spPr>
+        <p:txBody>
+          <a:bodyPr wrap="none" rtlCol="0">
+            <a:spAutoFit/>
+          </a:bodyPr>
+          <a:lstStyle/>
+          <a:p>
+            <a:r>
+              <a:rPr lang="es-MX" dirty="0" smtClean="0"/>
+              <a:t>Baja de poderes</a:t>
+            </a:r>
+          </a:p>
+          <a:p>
+            <a:r>
+              <a:rPr lang="es-MX" dirty="0" smtClean="0"/>
+              <a:t>-digamos que trabajo en </a:t>
+            </a:r>
+            <a:r>
+              <a:rPr lang="es-MX" dirty="0" err="1" smtClean="0"/>
+              <a:t>banamex</a:t>
+            </a:r>
+            <a:r>
+              <a:rPr lang="es-MX" dirty="0" smtClean="0"/>
+              <a:t> y estoy con poder, </a:t>
+            </a:r>
+            <a:r>
+              <a:rPr lang="es-MX" dirty="0" err="1" smtClean="0"/>
+              <a:t>ceriticado</a:t>
+            </a:r>
+            <a:r>
+              <a:rPr lang="es-MX" dirty="0" smtClean="0"/>
+              <a:t> y autorizado.</a:t>
+            </a:r>
+          </a:p>
+          <a:p>
+            <a:r>
+              <a:rPr lang="es-MX" dirty="0" smtClean="0"/>
+              <a:t>Me quiero cambiar de </a:t>
+            </a:r>
+            <a:r>
+              <a:rPr lang="es-MX" dirty="0" err="1" smtClean="0"/>
+              <a:t>banamex</a:t>
+            </a:r>
+            <a:r>
+              <a:rPr lang="es-MX" dirty="0" smtClean="0"/>
+              <a:t> a otro </a:t>
+            </a:r>
+            <a:r>
+              <a:rPr lang="es-MX" dirty="0" err="1" smtClean="0"/>
+              <a:t>insitucion</a:t>
+            </a:r>
+            <a:r>
+              <a:rPr lang="es-MX" dirty="0" smtClean="0"/>
+              <a:t>, pero </a:t>
+            </a:r>
+            <a:r>
+              <a:rPr lang="es-MX" dirty="0" err="1" smtClean="0"/>
+              <a:t>banamex</a:t>
+            </a:r>
+            <a:r>
+              <a:rPr lang="es-MX" dirty="0" smtClean="0"/>
+              <a:t> se tarda</a:t>
+            </a:r>
+          </a:p>
+          <a:p>
+            <a:r>
+              <a:rPr lang="es-MX" dirty="0" smtClean="0"/>
+              <a:t>Un </a:t>
+            </a:r>
+            <a:r>
+              <a:rPr lang="es-MX" dirty="0" err="1" smtClean="0"/>
+              <a:t>monton</a:t>
+            </a:r>
+            <a:r>
+              <a:rPr lang="es-MX" dirty="0" smtClean="0"/>
+              <a:t> </a:t>
+            </a:r>
+            <a:r>
+              <a:rPr lang="es-MX" dirty="0" err="1" smtClean="0"/>
+              <a:t>ne</a:t>
+            </a:r>
+            <a:r>
+              <a:rPr lang="es-MX" dirty="0" smtClean="0"/>
+              <a:t> hacer el tramite. Por lo tanto le </a:t>
+            </a:r>
+            <a:r>
+              <a:rPr lang="es-MX" dirty="0" err="1" smtClean="0"/>
+              <a:t>exigo</a:t>
+            </a:r>
+            <a:r>
+              <a:rPr lang="es-MX" dirty="0" smtClean="0"/>
+              <a:t> </a:t>
+            </a:r>
+            <a:r>
+              <a:rPr lang="es-MX" dirty="0" err="1" smtClean="0"/>
+              <a:t>qyue</a:t>
+            </a:r>
+            <a:r>
+              <a:rPr lang="es-MX" dirty="0" smtClean="0"/>
+              <a:t> me de un </a:t>
+            </a:r>
+          </a:p>
+          <a:p>
+            <a:r>
+              <a:rPr lang="es-MX" dirty="0" err="1" smtClean="0"/>
+              <a:t>Docuymento</a:t>
+            </a:r>
+            <a:r>
+              <a:rPr lang="es-MX" dirty="0" smtClean="0"/>
+              <a:t> en el que conste que ya no trabajo con esa  entidad.</a:t>
+            </a:r>
+          </a:p>
+          <a:p>
+            <a:r>
+              <a:rPr lang="es-MX" dirty="0" smtClean="0"/>
+              <a:t>Con ese documento que me dio </a:t>
+            </a:r>
+            <a:r>
+              <a:rPr lang="es-MX" dirty="0" err="1" smtClean="0"/>
+              <a:t>banamex</a:t>
+            </a:r>
+            <a:r>
+              <a:rPr lang="es-MX" dirty="0" smtClean="0"/>
+              <a:t>, yo </a:t>
+            </a:r>
+            <a:r>
+              <a:rPr lang="es-MX" dirty="0" err="1" smtClean="0"/>
+              <a:t>sustentate</a:t>
+            </a:r>
+            <a:r>
+              <a:rPr lang="es-MX" dirty="0" smtClean="0"/>
+              <a:t>, le puedo </a:t>
+            </a:r>
+          </a:p>
+          <a:p>
+            <a:r>
+              <a:rPr lang="es-MX" dirty="0" smtClean="0"/>
+              <a:t>Decir a la AMIB que me de baja los poderes que tengo con </a:t>
+            </a:r>
+            <a:r>
+              <a:rPr lang="es-MX" dirty="0" err="1" smtClean="0"/>
+              <a:t>banamex</a:t>
+            </a:r>
+            <a:endParaRPr lang="es-MX" dirty="0" smtClean="0"/>
+          </a:p>
+          <a:p>
+            <a:r>
+              <a:rPr lang="es-MX" dirty="0" smtClean="0"/>
+              <a:t>(me </a:t>
+            </a:r>
+            <a:r>
+              <a:rPr lang="es-MX" dirty="0" err="1" smtClean="0"/>
+              <a:t>quedaria</a:t>
+            </a:r>
+            <a:r>
+              <a:rPr lang="es-MX" dirty="0" smtClean="0"/>
+              <a:t> en estatus “autorizado sin poderes”</a:t>
+            </a:r>
+          </a:p>
+          <a:p>
+            <a:endParaRPr lang="es-MX" dirty="0" smtClean="0"/>
+          </a:p>
+          <a:p>
+            <a:r>
+              <a:rPr lang="es-MX" dirty="0" smtClean="0"/>
+              <a:t>Agregar el estatus de revocado</a:t>
+            </a:r>
+          </a:p>
+        </p:txBody>
+      </p:sp>
+      <p:sp>
+        <p:nvSpPr>
+          <p:cNvPr id="3" name="2 CuadroTexto"/>
+          <p:cNvSpPr txBox="1"/>
+          <p:nvPr/>
+        </p:nvSpPr>
+        <p:spPr>
+          <a:xfrm>
+            <a:off x="620688" y="3851920"/>
+            <a:ext cx="2781659" cy="646331"/>
+          </a:xfrm>
+          <a:prstGeom prst="rect">
+            <a:avLst/>
+          </a:prstGeom>
+          <a:noFill/>
+        </p:spPr>
+        <p:txBody>
+          <a:bodyPr wrap="none" rtlCol="0">
+            <a:spAutoFit/>
+          </a:bodyPr>
+          <a:lstStyle/>
+          <a:p>
+            <a:r>
+              <a:rPr lang="es-MX" dirty="0" smtClean="0"/>
+              <a:t>Baja de poderes -&gt; sustente</a:t>
+            </a:r>
+          </a:p>
+          <a:p>
+            <a:r>
+              <a:rPr lang="es-MX" dirty="0" err="1" smtClean="0"/>
+              <a:t>Revocacion</a:t>
+            </a:r>
+            <a:r>
+              <a:rPr lang="es-MX" dirty="0" smtClean="0"/>
+              <a:t> -&gt; </a:t>
+            </a:r>
+            <a:r>
+              <a:rPr lang="es-MX" dirty="0" err="1" smtClean="0"/>
+              <a:t>instutcion</a:t>
+            </a:r>
+            <a:endParaRPr lang="es-MX" dirty="0"/>
+          </a:p>
+        </p:txBody>
+      </p:sp>
+      <p:sp>
+        <p:nvSpPr>
+          <p:cNvPr id="4" name="3 CuadroTexto"/>
+          <p:cNvSpPr txBox="1"/>
+          <p:nvPr/>
+        </p:nvSpPr>
+        <p:spPr>
+          <a:xfrm>
+            <a:off x="404664" y="4716016"/>
+            <a:ext cx="4627742" cy="923330"/>
+          </a:xfrm>
+          <a:prstGeom prst="rect">
+            <a:avLst/>
+          </a:prstGeom>
+          <a:noFill/>
+        </p:spPr>
+        <p:txBody>
+          <a:bodyPr wrap="none" rtlCol="0">
+            <a:spAutoFit/>
+          </a:bodyPr>
+          <a:lstStyle/>
+          <a:p>
+            <a:r>
+              <a:rPr lang="es-MX" dirty="0" err="1" smtClean="0"/>
+              <a:t>PoderVigente</a:t>
+            </a:r>
+            <a:r>
+              <a:rPr lang="es-MX" dirty="0" smtClean="0"/>
+              <a:t> -&gt; ultimo poder y agregar</a:t>
+            </a:r>
+          </a:p>
+          <a:p>
+            <a:r>
+              <a:rPr lang="es-MX" dirty="0" smtClean="0"/>
+              <a:t>Estatus de acuerdo a </a:t>
+            </a:r>
+            <a:r>
+              <a:rPr lang="es-MX" dirty="0" err="1" smtClean="0"/>
+              <a:t>revocacion</a:t>
+            </a:r>
+            <a:r>
+              <a:rPr lang="es-MX" dirty="0" smtClean="0"/>
+              <a:t>, aja, </a:t>
+            </a:r>
+            <a:r>
+              <a:rPr lang="es-MX" dirty="0" err="1" smtClean="0"/>
+              <a:t>etc</a:t>
+            </a:r>
+            <a:r>
+              <a:rPr lang="es-MX" dirty="0" smtClean="0"/>
+              <a:t>…</a:t>
+            </a:r>
+            <a:endParaRPr lang="es-MX" dirty="0" smtClean="0"/>
+          </a:p>
+          <a:p>
+            <a:r>
+              <a:rPr lang="es-MX" dirty="0" smtClean="0"/>
+              <a:t>Quitar </a:t>
+            </a:r>
+            <a:r>
+              <a:rPr lang="es-MX" dirty="0" err="1" smtClean="0"/>
+              <a:t>restriccion</a:t>
+            </a:r>
+            <a:r>
+              <a:rPr lang="es-MX" dirty="0" smtClean="0"/>
+              <a:t> </a:t>
+            </a:r>
+            <a:r>
+              <a:rPr lang="es-MX" dirty="0" err="1" smtClean="0"/>
+              <a:t>unique</a:t>
+            </a:r>
+            <a:r>
+              <a:rPr lang="es-MX" dirty="0" smtClean="0"/>
+              <a:t> de apodero, revocado</a:t>
+            </a:r>
+            <a:endParaRPr lang="es-MX" dirty="0"/>
+          </a:p>
+        </p:txBody>
+      </p:sp>
+      <p:sp>
+        <p:nvSpPr>
+          <p:cNvPr id="5" name="4 CuadroTexto"/>
+          <p:cNvSpPr txBox="1"/>
+          <p:nvPr/>
+        </p:nvSpPr>
+        <p:spPr>
+          <a:xfrm>
+            <a:off x="260648" y="6084168"/>
+            <a:ext cx="2095254" cy="646331"/>
+          </a:xfrm>
+          <a:prstGeom prst="rect">
+            <a:avLst/>
+          </a:prstGeom>
+          <a:noFill/>
+        </p:spPr>
+        <p:txBody>
+          <a:bodyPr wrap="none" rtlCol="0">
+            <a:spAutoFit/>
+          </a:bodyPr>
+          <a:lstStyle/>
+          <a:p>
+            <a:r>
+              <a:rPr lang="es-MX" dirty="0" smtClean="0"/>
+              <a:t>DICTAMEN PREVIO</a:t>
+            </a:r>
+          </a:p>
+          <a:p>
+            <a:r>
+              <a:rPr lang="es-MX" dirty="0" smtClean="0"/>
+              <a:t> </a:t>
+            </a:r>
+            <a:r>
+              <a:rPr lang="es-MX" dirty="0" smtClean="0"/>
+              <a:t>-segunda </a:t>
+            </a:r>
+            <a:r>
+              <a:rPr lang="es-MX" dirty="0" err="1" smtClean="0"/>
+              <a:t>validacion</a:t>
             </a:r>
             <a:endParaRPr lang="es-MX" dirty="0"/>
           </a:p>
